--- a/docs/dnn_ex.pptx
+++ b/docs/dnn_ex.pptx
@@ -5714,6 +5714,114 @@
           </a:p>
         </p:txBody>
       </p:sp>
+      <p:sp>
+        <p:nvSpPr>
+          <p:cNvPr id="7" name="テキスト ボックス 6">
+            <a:extLst>
+              <a:ext uri="{FF2B5EF4-FFF2-40B4-BE49-F238E27FC236}">
+                <a16:creationId xmlns:a16="http://schemas.microsoft.com/office/drawing/2014/main" id="{D9AB8005-49EA-4500-B7FF-5339FDF45B1D}"/>
+              </a:ext>
+            </a:extLst>
+          </p:cNvPr>
+          <p:cNvSpPr txBox="1"/>
+          <p:nvPr/>
+        </p:nvSpPr>
+        <p:spPr>
+          <a:xfrm>
+            <a:off x="2134980" y="5227925"/>
+            <a:ext cx="1065163" cy="276999"/>
+          </a:xfrm>
+          <a:prstGeom prst="rect">
+            <a:avLst/>
+          </a:prstGeom>
+          <a:noFill/>
+        </p:spPr>
+        <p:txBody>
+          <a:bodyPr wrap="none" rtlCol="0">
+            <a:spAutoFit/>
+          </a:bodyPr>
+          <a:lstStyle/>
+          <a:p>
+            <a:r>
+              <a:rPr kumimoji="1" lang="en-US" altLang="ja-JP" sz="1200" dirty="0"/>
+              <a:t>flow feature</a:t>
+            </a:r>
+            <a:endParaRPr kumimoji="1" lang="ja-JP" altLang="en-US" sz="1200" dirty="0"/>
+          </a:p>
+        </p:txBody>
+      </p:sp>
+      <p:sp>
+        <p:nvSpPr>
+          <p:cNvPr id="32" name="テキスト ボックス 31">
+            <a:extLst>
+              <a:ext uri="{FF2B5EF4-FFF2-40B4-BE49-F238E27FC236}">
+                <a16:creationId xmlns:a16="http://schemas.microsoft.com/office/drawing/2014/main" id="{CD6D6071-E45A-455E-8236-CF3DC9416509}"/>
+              </a:ext>
+            </a:extLst>
+          </p:cNvPr>
+          <p:cNvSpPr txBox="1"/>
+          <p:nvPr/>
+        </p:nvSpPr>
+        <p:spPr>
+          <a:xfrm>
+            <a:off x="3506837" y="5252639"/>
+            <a:ext cx="1065163" cy="276999"/>
+          </a:xfrm>
+          <a:prstGeom prst="rect">
+            <a:avLst/>
+          </a:prstGeom>
+          <a:noFill/>
+        </p:spPr>
+        <p:txBody>
+          <a:bodyPr wrap="none" rtlCol="0">
+            <a:spAutoFit/>
+          </a:bodyPr>
+          <a:lstStyle/>
+          <a:p>
+            <a:r>
+              <a:rPr kumimoji="1" lang="en-US" altLang="ja-JP" sz="1200" dirty="0"/>
+              <a:t>flow feature</a:t>
+            </a:r>
+            <a:endParaRPr kumimoji="1" lang="ja-JP" altLang="en-US" sz="1200" dirty="0"/>
+          </a:p>
+        </p:txBody>
+      </p:sp>
+      <p:sp>
+        <p:nvSpPr>
+          <p:cNvPr id="33" name="テキスト ボックス 32">
+            <a:extLst>
+              <a:ext uri="{FF2B5EF4-FFF2-40B4-BE49-F238E27FC236}">
+                <a16:creationId xmlns:a16="http://schemas.microsoft.com/office/drawing/2014/main" id="{098791DF-9FBE-4ADD-973D-CC63D3A43E4A}"/>
+              </a:ext>
+            </a:extLst>
+          </p:cNvPr>
+          <p:cNvSpPr txBox="1"/>
+          <p:nvPr/>
+        </p:nvSpPr>
+        <p:spPr>
+          <a:xfrm>
+            <a:off x="5162076" y="3211851"/>
+            <a:ext cx="1066254" cy="276999"/>
+          </a:xfrm>
+          <a:prstGeom prst="rect">
+            <a:avLst/>
+          </a:prstGeom>
+          <a:noFill/>
+        </p:spPr>
+        <p:txBody>
+          <a:bodyPr wrap="none" rtlCol="0">
+            <a:spAutoFit/>
+          </a:bodyPr>
+          <a:lstStyle/>
+          <a:p>
+            <a:r>
+              <a:rPr kumimoji="1" lang="en-US" altLang="ja-JP" sz="1200" dirty="0"/>
+              <a:t>flow release</a:t>
+            </a:r>
+            <a:endParaRPr kumimoji="1" lang="ja-JP" altLang="en-US" sz="1200" dirty="0"/>
+          </a:p>
+        </p:txBody>
+      </p:sp>
     </p:spTree>
     <p:extLst>
       <p:ext uri="{BB962C8B-B14F-4D97-AF65-F5344CB8AC3E}">
@@ -6376,6 +6484,42 @@
               <a:t>release/* (remote)</a:t>
             </a:r>
             <a:endParaRPr kumimoji="1" lang="ja-JP" altLang="en-US" sz="1400" dirty="0"/>
+          </a:p>
+        </p:txBody>
+      </p:sp>
+      <p:sp>
+        <p:nvSpPr>
+          <p:cNvPr id="19" name="テキスト ボックス 18">
+            <a:extLst>
+              <a:ext uri="{FF2B5EF4-FFF2-40B4-BE49-F238E27FC236}">
+                <a16:creationId xmlns:a16="http://schemas.microsoft.com/office/drawing/2014/main" id="{F32CC4A0-CC22-443C-BBCE-5A649DA0BF00}"/>
+              </a:ext>
+            </a:extLst>
+          </p:cNvPr>
+          <p:cNvSpPr txBox="1"/>
+          <p:nvPr/>
+        </p:nvSpPr>
+        <p:spPr>
+          <a:xfrm>
+            <a:off x="4003042" y="3238568"/>
+            <a:ext cx="1065163" cy="276999"/>
+          </a:xfrm>
+          <a:prstGeom prst="rect">
+            <a:avLst/>
+          </a:prstGeom>
+          <a:noFill/>
+        </p:spPr>
+        <p:txBody>
+          <a:bodyPr wrap="none" rtlCol="0">
+            <a:spAutoFit/>
+          </a:bodyPr>
+          <a:lstStyle/>
+          <a:p>
+            <a:r>
+              <a:rPr kumimoji="1" lang="en-US" altLang="ja-JP" sz="1200" dirty="0"/>
+              <a:t>flow feature</a:t>
+            </a:r>
+            <a:endParaRPr kumimoji="1" lang="ja-JP" altLang="en-US" sz="1200" dirty="0"/>
           </a:p>
         </p:txBody>
       </p:sp>
@@ -6425,7 +6569,12 @@
             <p:ph type="title"/>
           </p:nvPr>
         </p:nvSpPr>
-        <p:spPr/>
+        <p:spPr>
+          <a:xfrm>
+            <a:off x="457200" y="116632"/>
+            <a:ext cx="8686800" cy="685567"/>
+          </a:xfrm>
+        </p:spPr>
         <p:txBody>
           <a:bodyPr/>
           <a:lstStyle/>
@@ -6793,7 +6942,7 @@
         </p:nvCxnSpPr>
         <p:spPr bwMode="auto">
           <a:xfrm flipV="1">
-            <a:off x="4727949" y="4254129"/>
+            <a:off x="4649574" y="4254129"/>
             <a:ext cx="0" cy="944880"/>
           </a:xfrm>
           <a:prstGeom prst="straightConnector1">
@@ -7026,7 +7175,7 @@
         </p:nvCxnSpPr>
         <p:spPr bwMode="auto">
           <a:xfrm>
-            <a:off x="4983481" y="3191684"/>
+            <a:off x="7186752" y="3191684"/>
             <a:ext cx="773451" cy="0"/>
           </a:xfrm>
           <a:prstGeom prst="straightConnector1">
@@ -7063,7 +7212,7 @@
         </p:nvCxnSpPr>
         <p:spPr bwMode="auto">
           <a:xfrm>
-            <a:off x="6053022" y="1328052"/>
+            <a:off x="5016704" y="1328052"/>
             <a:ext cx="0" cy="1821941"/>
           </a:xfrm>
           <a:prstGeom prst="straightConnector1">
@@ -7100,7 +7249,7 @@
         </p:nvSpPr>
         <p:spPr>
           <a:xfrm>
-            <a:off x="4819352" y="1109865"/>
+            <a:off x="3783034" y="1109865"/>
             <a:ext cx="1660391" cy="307777"/>
           </a:xfrm>
           <a:prstGeom prst="rect">
@@ -7137,7 +7286,7 @@
         </p:nvSpPr>
         <p:spPr>
           <a:xfrm>
-            <a:off x="5091843" y="2862137"/>
+            <a:off x="7295114" y="2862137"/>
             <a:ext cx="506229" cy="307777"/>
           </a:xfrm>
           <a:prstGeom prst="rect">
@@ -7175,7 +7324,7 @@
         </p:nvCxnSpPr>
         <p:spPr bwMode="auto">
           <a:xfrm flipV="1">
-            <a:off x="5115296" y="3267312"/>
+            <a:off x="7231477" y="3267312"/>
             <a:ext cx="0" cy="944880"/>
           </a:xfrm>
           <a:prstGeom prst="straightConnector1">
@@ -7215,7 +7364,7 @@
         </p:nvCxnSpPr>
         <p:spPr bwMode="auto">
           <a:xfrm flipV="1">
-            <a:off x="4930181" y="3191684"/>
+            <a:off x="7403421" y="3191684"/>
             <a:ext cx="0" cy="2860767"/>
           </a:xfrm>
           <a:prstGeom prst="straightConnector1">
@@ -7369,7 +7518,7 @@
         </p:nvCxnSpPr>
         <p:spPr bwMode="auto">
           <a:xfrm>
-            <a:off x="5677019" y="3191684"/>
+            <a:off x="7880290" y="3191684"/>
             <a:ext cx="0" cy="2860767"/>
           </a:xfrm>
           <a:prstGeom prst="straightConnector1">
@@ -7409,7 +7558,7 @@
         </p:nvCxnSpPr>
         <p:spPr bwMode="auto">
           <a:xfrm>
-            <a:off x="5971903" y="3191684"/>
+            <a:off x="4935585" y="3191684"/>
             <a:ext cx="773451" cy="0"/>
           </a:xfrm>
           <a:prstGeom prst="straightConnector1">
@@ -7446,7 +7595,7 @@
         </p:nvCxnSpPr>
         <p:spPr bwMode="auto">
           <a:xfrm flipV="1">
-            <a:off x="6053022" y="3267312"/>
+            <a:off x="4920905" y="3267312"/>
             <a:ext cx="0" cy="944880"/>
           </a:xfrm>
           <a:prstGeom prst="straightConnector1">
@@ -7484,7 +7633,7 @@
         </p:nvSpPr>
         <p:spPr>
           <a:xfrm>
-            <a:off x="6127390" y="2896971"/>
+            <a:off x="5091072" y="2896971"/>
             <a:ext cx="506229" cy="307777"/>
           </a:xfrm>
           <a:prstGeom prst="rect">
@@ -7522,7 +7671,7 @@
         </p:nvCxnSpPr>
         <p:spPr bwMode="auto">
           <a:xfrm>
-            <a:off x="6975956" y="1314988"/>
+            <a:off x="5939638" y="1314988"/>
             <a:ext cx="0" cy="1821941"/>
           </a:xfrm>
           <a:prstGeom prst="straightConnector1">
@@ -7559,7 +7708,7 @@
         </p:nvSpPr>
         <p:spPr>
           <a:xfrm>
-            <a:off x="6451366" y="1079508"/>
+            <a:off x="5336667" y="1079508"/>
             <a:ext cx="1660391" cy="307777"/>
           </a:xfrm>
           <a:prstGeom prst="rect">
@@ -7598,7 +7747,7 @@
         </p:nvCxnSpPr>
         <p:spPr bwMode="auto">
           <a:xfrm>
-            <a:off x="6894837" y="3178620"/>
+            <a:off x="5858519" y="3178620"/>
             <a:ext cx="773451" cy="0"/>
           </a:xfrm>
           <a:prstGeom prst="straightConnector1">
@@ -7635,7 +7784,7 @@
         </p:nvCxnSpPr>
         <p:spPr bwMode="auto">
           <a:xfrm flipV="1">
-            <a:off x="6975956" y="3254248"/>
+            <a:off x="5869966" y="3254248"/>
             <a:ext cx="0" cy="944880"/>
           </a:xfrm>
           <a:prstGeom prst="straightConnector1">
@@ -7673,7 +7822,7 @@
         </p:nvSpPr>
         <p:spPr>
           <a:xfrm>
-            <a:off x="7050324" y="2883907"/>
+            <a:off x="6014006" y="2883907"/>
             <a:ext cx="506229" cy="307777"/>
           </a:xfrm>
           <a:prstGeom prst="rect">
@@ -7695,46 +7844,6 @@
           </a:p>
         </p:txBody>
       </p:sp>
-      <p:cxnSp>
-        <p:nvCxnSpPr>
-          <p:cNvPr id="53" name="直線矢印コネクタ 52">
-            <a:extLst>
-              <a:ext uri="{FF2B5EF4-FFF2-40B4-BE49-F238E27FC236}">
-                <a16:creationId xmlns:a16="http://schemas.microsoft.com/office/drawing/2014/main" id="{1F6D7EF9-5E1B-4372-9F63-4234E748BA21}"/>
-              </a:ext>
-            </a:extLst>
-          </p:cNvPr>
-          <p:cNvCxnSpPr>
-            <a:cxnSpLocks/>
-          </p:cNvCxnSpPr>
-          <p:nvPr/>
-        </p:nvCxnSpPr>
-        <p:spPr bwMode="auto">
-          <a:xfrm flipV="1">
-            <a:off x="8007922" y="2294700"/>
-            <a:ext cx="0" cy="1924594"/>
-          </a:xfrm>
-          <a:prstGeom prst="straightConnector1">
-            <a:avLst/>
-          </a:prstGeom>
-          <a:solidFill>
-            <a:schemeClr val="accent1"/>
-          </a:solidFill>
-          <a:ln w="19050" cap="flat" cmpd="sng" algn="ctr">
-            <a:solidFill>
-              <a:schemeClr val="tx1">
-                <a:lumMod val="60000"/>
-                <a:lumOff val="40000"/>
-              </a:schemeClr>
-            </a:solidFill>
-            <a:prstDash val="solid"/>
-            <a:miter lim="800000"/>
-            <a:headEnd type="none" w="med" len="med"/>
-            <a:tailEnd type="triangle"/>
-          </a:ln>
-          <a:effectLst/>
-        </p:spPr>
-      </p:cxnSp>
       <p:sp>
         <p:nvSpPr>
           <p:cNvPr id="55" name="テキスト ボックス 54">
@@ -7811,6 +7920,207 @@
           <a:effectLst/>
         </p:spPr>
       </p:cxnSp>
+      <p:cxnSp>
+        <p:nvCxnSpPr>
+          <p:cNvPr id="41" name="直線矢印コネクタ 40">
+            <a:extLst>
+              <a:ext uri="{FF2B5EF4-FFF2-40B4-BE49-F238E27FC236}">
+                <a16:creationId xmlns:a16="http://schemas.microsoft.com/office/drawing/2014/main" id="{802720AB-E0A8-4B48-BF7E-89121D17DA98}"/>
+              </a:ext>
+            </a:extLst>
+          </p:cNvPr>
+          <p:cNvCxnSpPr>
+            <a:cxnSpLocks/>
+          </p:cNvCxnSpPr>
+          <p:nvPr/>
+        </p:nvCxnSpPr>
+        <p:spPr bwMode="auto">
+          <a:xfrm flipV="1">
+            <a:off x="7880290" y="2271551"/>
+            <a:ext cx="0" cy="944880"/>
+          </a:xfrm>
+          <a:prstGeom prst="straightConnector1">
+            <a:avLst/>
+          </a:prstGeom>
+          <a:solidFill>
+            <a:schemeClr val="accent1"/>
+          </a:solidFill>
+          <a:ln w="19050" cap="flat" cmpd="sng" algn="ctr">
+            <a:solidFill>
+              <a:schemeClr val="tx1">
+                <a:lumMod val="60000"/>
+                <a:lumOff val="40000"/>
+              </a:schemeClr>
+            </a:solidFill>
+            <a:prstDash val="solid"/>
+            <a:miter lim="800000"/>
+            <a:headEnd type="none" w="med" len="med"/>
+            <a:tailEnd type="triangle"/>
+          </a:ln>
+          <a:effectLst/>
+        </p:spPr>
+      </p:cxnSp>
+      <p:sp>
+        <p:nvSpPr>
+          <p:cNvPr id="43" name="テキスト ボックス 42">
+            <a:extLst>
+              <a:ext uri="{FF2B5EF4-FFF2-40B4-BE49-F238E27FC236}">
+                <a16:creationId xmlns:a16="http://schemas.microsoft.com/office/drawing/2014/main" id="{9BFFB30C-C683-415E-A499-B4228CC3CD95}"/>
+              </a:ext>
+            </a:extLst>
+          </p:cNvPr>
+          <p:cNvSpPr txBox="1"/>
+          <p:nvPr/>
+        </p:nvSpPr>
+        <p:spPr>
+          <a:xfrm>
+            <a:off x="5325937" y="3319555"/>
+            <a:ext cx="1065163" cy="461665"/>
+          </a:xfrm>
+          <a:prstGeom prst="rect">
+            <a:avLst/>
+          </a:prstGeom>
+          <a:noFill/>
+        </p:spPr>
+        <p:txBody>
+          <a:bodyPr wrap="none" rtlCol="0">
+            <a:spAutoFit/>
+          </a:bodyPr>
+          <a:lstStyle/>
+          <a:p>
+            <a:r>
+              <a:rPr kumimoji="1" lang="en-US" altLang="ja-JP" sz="1200" dirty="0"/>
+              <a:t>flow feature</a:t>
+            </a:r>
+          </a:p>
+          <a:p>
+            <a:r>
+              <a:rPr lang="en-US" altLang="ja-JP" sz="1200" dirty="0"/>
+              <a:t>(</a:t>
+            </a:r>
+            <a:r>
+              <a:rPr lang="en-US" altLang="ja-JP" sz="1200" dirty="0">
+                <a:solidFill>
+                  <a:schemeClr val="accent2"/>
+                </a:solidFill>
+              </a:rPr>
+              <a:t>not finish</a:t>
+            </a:r>
+            <a:r>
+              <a:rPr lang="en-US" altLang="ja-JP" sz="1200" dirty="0"/>
+              <a:t>)</a:t>
+            </a:r>
+            <a:endParaRPr kumimoji="1" lang="ja-JP" altLang="en-US" sz="1200" dirty="0"/>
+          </a:p>
+        </p:txBody>
+      </p:sp>
+      <p:sp>
+        <p:nvSpPr>
+          <p:cNvPr id="49" name="テキスト ボックス 48">
+            <a:extLst>
+              <a:ext uri="{FF2B5EF4-FFF2-40B4-BE49-F238E27FC236}">
+                <a16:creationId xmlns:a16="http://schemas.microsoft.com/office/drawing/2014/main" id="{CC9CF5E9-9CA2-4119-8575-68184BDEFE3D}"/>
+              </a:ext>
+            </a:extLst>
+          </p:cNvPr>
+          <p:cNvSpPr txBox="1"/>
+          <p:nvPr/>
+        </p:nvSpPr>
+        <p:spPr>
+          <a:xfrm>
+            <a:off x="7403748" y="3281044"/>
+            <a:ext cx="1065163" cy="276999"/>
+          </a:xfrm>
+          <a:prstGeom prst="rect">
+            <a:avLst/>
+          </a:prstGeom>
+          <a:noFill/>
+        </p:spPr>
+        <p:txBody>
+          <a:bodyPr wrap="none" rtlCol="0">
+            <a:spAutoFit/>
+          </a:bodyPr>
+          <a:lstStyle/>
+          <a:p>
+            <a:r>
+              <a:rPr kumimoji="1" lang="en-US" altLang="ja-JP" sz="1200" dirty="0"/>
+              <a:t>flow feature</a:t>
+            </a:r>
+          </a:p>
+        </p:txBody>
+      </p:sp>
+      <p:sp>
+        <p:nvSpPr>
+          <p:cNvPr id="50" name="テキスト ボックス 49">
+            <a:extLst>
+              <a:ext uri="{FF2B5EF4-FFF2-40B4-BE49-F238E27FC236}">
+                <a16:creationId xmlns:a16="http://schemas.microsoft.com/office/drawing/2014/main" id="{2F7414D4-BF14-4FAE-B46C-7DBE7AE4C8EB}"/>
+              </a:ext>
+            </a:extLst>
+          </p:cNvPr>
+          <p:cNvSpPr txBox="1"/>
+          <p:nvPr/>
+        </p:nvSpPr>
+        <p:spPr>
+          <a:xfrm>
+            <a:off x="2370968" y="5220779"/>
+            <a:ext cx="1065163" cy="276999"/>
+          </a:xfrm>
+          <a:prstGeom prst="rect">
+            <a:avLst/>
+          </a:prstGeom>
+          <a:noFill/>
+        </p:spPr>
+        <p:txBody>
+          <a:bodyPr wrap="none" rtlCol="0">
+            <a:spAutoFit/>
+          </a:bodyPr>
+          <a:lstStyle/>
+          <a:p>
+            <a:r>
+              <a:rPr kumimoji="1" lang="en-US" altLang="ja-JP" sz="1200" dirty="0"/>
+              <a:t>flow feature</a:t>
+            </a:r>
+            <a:endParaRPr kumimoji="1" lang="ja-JP" altLang="en-US" sz="1200" dirty="0"/>
+          </a:p>
+        </p:txBody>
+      </p:sp>
+      <p:sp>
+        <p:nvSpPr>
+          <p:cNvPr id="51" name="テキスト ボックス 50">
+            <a:extLst>
+              <a:ext uri="{FF2B5EF4-FFF2-40B4-BE49-F238E27FC236}">
+                <a16:creationId xmlns:a16="http://schemas.microsoft.com/office/drawing/2014/main" id="{1A14C20C-909B-4B4C-B4DD-FD56980A367B}"/>
+              </a:ext>
+            </a:extLst>
+          </p:cNvPr>
+          <p:cNvSpPr txBox="1"/>
+          <p:nvPr/>
+        </p:nvSpPr>
+        <p:spPr>
+          <a:xfrm>
+            <a:off x="3742825" y="5245493"/>
+            <a:ext cx="1065163" cy="276999"/>
+          </a:xfrm>
+          <a:prstGeom prst="rect">
+            <a:avLst/>
+          </a:prstGeom>
+          <a:noFill/>
+        </p:spPr>
+        <p:txBody>
+          <a:bodyPr wrap="none" rtlCol="0">
+            <a:spAutoFit/>
+          </a:bodyPr>
+          <a:lstStyle/>
+          <a:p>
+            <a:r>
+              <a:rPr kumimoji="1" lang="en-US" altLang="ja-JP" sz="1200" dirty="0"/>
+              <a:t>flow feature</a:t>
+            </a:r>
+            <a:endParaRPr kumimoji="1" lang="ja-JP" altLang="en-US" sz="1200" dirty="0"/>
+          </a:p>
+        </p:txBody>
+      </p:sp>
     </p:spTree>
     <p:extLst>
       <p:ext uri="{BB962C8B-B14F-4D97-AF65-F5344CB8AC3E}">
